--- a/wednesday/Experimental_Design.pptx
+++ b/wednesday/Experimental_Design.pptx
@@ -23,7 +23,11 @@
     <p:sldId id="266" r:id="rId17"/>
     <p:sldId id="280" r:id="rId18"/>
     <p:sldId id="281" r:id="rId19"/>
-    <p:sldId id="278" r:id="rId20"/>
+    <p:sldId id="258" r:id="rId20"/>
+    <p:sldId id="285" r:id="rId21"/>
+    <p:sldId id="260" r:id="rId22"/>
+    <p:sldId id="286" r:id="rId23"/>
+    <p:sldId id="278" r:id="rId24"/>
   </p:sldIdLst>
   <p:sldSz cx="12192000" cy="6858000"/>
   <p:notesSz cx="6858000" cy="9144000"/>
@@ -5952,7 +5956,175 @@
       </p:grpSpPr>
       <p:sp>
         <p:nvSpPr>
-          <p:cNvPr id="4" name="Title 3"/>
+          <p:cNvPr id="2" name="Content Placeholder 1"/>
+          <p:cNvSpPr>
+            <a:spLocks noGrp="1"/>
+          </p:cNvSpPr>
+          <p:nvPr>
+            <p:ph idx="1"/>
+          </p:nvPr>
+        </p:nvSpPr>
+        <p:spPr>
+          <a:xfrm>
+            <a:off x="1905000" y="1719071"/>
+            <a:ext cx="8407893" cy="4937368"/>
+          </a:xfrm>
+        </p:spPr>
+        <p:txBody>
+          <a:bodyPr>
+            <a:normAutofit fontScale="70000" lnSpcReduction="20000"/>
+          </a:bodyPr>
+          <a:lstStyle/>
+          <a:p>
+            <a:pPr marL="45720" indent="0">
+              <a:buNone/>
+            </a:pPr>
+            <a:r>
+              <a:rPr lang="en-US" dirty="0"/>
+              <a:t>KRAKEN</a:t>
+            </a:r>
+          </a:p>
+          <a:p>
+            <a:r>
+              <a:rPr lang="en-US" dirty="0"/>
+              <a:t>A taxonomic classifier using k-</a:t>
+            </a:r>
+            <a:r>
+              <a:rPr lang="en-US" dirty="0" err="1"/>
+              <a:t>mers</a:t>
+            </a:r>
+            <a:r>
+              <a:rPr lang="en-US" dirty="0"/>
+              <a:t>, current </a:t>
+            </a:r>
+            <a:r>
+              <a:rPr lang="en-US" dirty="0" err="1"/>
+              <a:t>db</a:t>
+            </a:r>
+            <a:r>
+              <a:rPr lang="en-US" dirty="0"/>
+              <a:t> contains &gt; 75Gb of microbial genome data (unique </a:t>
+            </a:r>
+            <a:r>
+              <a:rPr lang="en-US" dirty="0" err="1"/>
+              <a:t>kmers</a:t>
+            </a:r>
+            <a:r>
+              <a:rPr lang="en-US" dirty="0"/>
+              <a:t>).</a:t>
+            </a:r>
+          </a:p>
+          <a:p>
+            <a:r>
+              <a:rPr lang="en-US" dirty="0"/>
+              <a:t>Requires a large server, 128Gb to 256Gb of memory</a:t>
+            </a:r>
+          </a:p>
+          <a:p>
+            <a:r>
+              <a:rPr lang="en-US" dirty="0"/>
+              <a:t>Assigns each read to its lowest common ancestor in the tree in a taxonomic tree based on the set of </a:t>
+            </a:r>
+            <a:r>
+              <a:rPr lang="en-US" dirty="0" err="1"/>
+              <a:t>kmers</a:t>
+            </a:r>
+            <a:r>
+              <a:rPr lang="en-US" dirty="0"/>
+              <a:t> in a read</a:t>
+            </a:r>
+          </a:p>
+          <a:p>
+            <a:r>
+              <a:rPr lang="en-US" dirty="0"/>
+              <a:t>Accepts ‘single’ read </a:t>
+            </a:r>
+            <a:r>
+              <a:rPr lang="en-US" dirty="0" err="1"/>
+              <a:t>fasta</a:t>
+            </a:r>
+            <a:r>
+              <a:rPr lang="en-US" dirty="0"/>
+              <a:t> format (flags for pairs and </a:t>
+            </a:r>
+            <a:r>
+              <a:rPr lang="en-US" dirty="0" err="1"/>
+              <a:t>fastq</a:t>
+            </a:r>
+            <a:r>
+              <a:rPr lang="en-US" dirty="0"/>
+              <a:t>)</a:t>
+            </a:r>
+          </a:p>
+          <a:p>
+            <a:pPr lvl="1"/>
+            <a:r>
+              <a:rPr lang="en-US" dirty="0"/>
+              <a:t>Output is ‘unusable’, meant for additional processing</a:t>
+            </a:r>
+          </a:p>
+          <a:p>
+            <a:pPr lvl="1"/>
+            <a:r>
+              <a:rPr lang="en-US" dirty="0"/>
+              <a:t>Kraken-translate to output taxonomic assignment for every read, output can then be used to build abundance tables</a:t>
+            </a:r>
+          </a:p>
+          <a:p>
+            <a:r>
+              <a:rPr lang="en-US" dirty="0"/>
+              <a:t>Kraken-filter will move a read up the tree based on confidence of mapping (loosely based on proportion of </a:t>
+            </a:r>
+            <a:r>
+              <a:rPr lang="en-US" dirty="0" err="1"/>
+              <a:t>kmers</a:t>
+            </a:r>
+            <a:r>
+              <a:rPr lang="en-US" dirty="0"/>
+              <a:t>)</a:t>
+            </a:r>
+          </a:p>
+          <a:p>
+            <a:r>
+              <a:rPr lang="en-US" dirty="0"/>
+              <a:t>Can build your own database</a:t>
+            </a:r>
+          </a:p>
+          <a:p>
+            <a:r>
+              <a:rPr lang="en-US" dirty="0"/>
+              <a:t>Kraken-report and kraken-</a:t>
+            </a:r>
+            <a:r>
+              <a:rPr lang="en-US" dirty="0" err="1"/>
+              <a:t>mpa</a:t>
+            </a:r>
+            <a:r>
+              <a:rPr lang="en-US" dirty="0"/>
+              <a:t>-report for abundance table construction</a:t>
+            </a:r>
+          </a:p>
+          <a:p>
+            <a:pPr marL="45720" indent="0">
+              <a:buNone/>
+            </a:pPr>
+            <a:r>
+              <a:rPr lang="en-US" dirty="0" err="1"/>
+              <a:t>MetaPhlAn</a:t>
+            </a:r>
+            <a:endParaRPr lang="en-US" dirty="0"/>
+          </a:p>
+          <a:p>
+            <a:r>
+              <a:rPr lang="en-US" dirty="0"/>
+              <a:t>Classifies by using a set of marker genes – measures species abundances</a:t>
+            </a:r>
+          </a:p>
+        </p:txBody>
+      </p:sp>
+      <p:sp>
+        <p:nvSpPr>
+          <p:cNvPr id="3" name="Title 2"/>
           <p:cNvSpPr>
             <a:spLocks noGrp="1"/>
           </p:cNvSpPr>
@@ -5967,49 +6139,7 @@
           <a:p>
             <a:r>
               <a:rPr lang="en-US" dirty="0"/>
-              <a:t>Take Homes</a:t>
-            </a:r>
-          </a:p>
-        </p:txBody>
-      </p:sp>
-      <p:sp>
-        <p:nvSpPr>
-          <p:cNvPr id="2" name="Content Placeholder 1"/>
-          <p:cNvSpPr>
-            <a:spLocks noGrp="1"/>
-          </p:cNvSpPr>
-          <p:nvPr>
-            <p:ph idx="1"/>
-          </p:nvPr>
-        </p:nvSpPr>
-        <p:spPr/>
-        <p:txBody>
-          <a:bodyPr>
-            <a:normAutofit/>
-          </a:bodyPr>
-          <a:lstStyle/>
-          <a:p>
-            <a:r>
-              <a:rPr lang="en-US" dirty="0"/>
-              <a:t>Experience and/or literature searches (other peoples experiences) will provide the best justification for estimates on needed depth.</a:t>
-            </a:r>
-          </a:p>
-          <a:p>
-            <a:r>
-              <a:rPr lang="en-US" dirty="0"/>
-              <a:t>‘Longer’ reads are better than short reads.</a:t>
-            </a:r>
-          </a:p>
-          <a:p>
-            <a:r>
-              <a:rPr lang="en-US" dirty="0"/>
-              <a:t>Paired-end reads are more useful than single-end reads</a:t>
-            </a:r>
-          </a:p>
-          <a:p>
-            <a:r>
-              <a:rPr lang="en-US" dirty="0"/>
-              <a:t>Libraries can be sequenced again, so do a pilot, perform a preliminary analysis, then sequence more accordingly.</a:t>
+              <a:t>Taxonomic Assignment</a:t>
             </a:r>
           </a:p>
         </p:txBody>
@@ -6017,7 +6147,7 @@
     </p:spTree>
     <p:extLst>
       <p:ext uri="{BB962C8B-B14F-4D97-AF65-F5344CB8AC3E}">
-        <p14:creationId xmlns:p14="http://schemas.microsoft.com/office/powerpoint/2010/main" val="144477064"/>
+        <p14:creationId xmlns:p14="http://schemas.microsoft.com/office/powerpoint/2010/main" val="2696215494"/>
       </p:ext>
     </p:extLst>
   </p:cSld>
@@ -6146,6 +6276,585 @@
     <p:extLst>
       <p:ext uri="{BB962C8B-B14F-4D97-AF65-F5344CB8AC3E}">
         <p14:creationId xmlns:p14="http://schemas.microsoft.com/office/powerpoint/2010/main" val="495508814"/>
+      </p:ext>
+    </p:extLst>
+  </p:cSld>
+  <p:clrMapOvr>
+    <a:masterClrMapping/>
+  </p:clrMapOvr>
+</p:sld>
+</file>
+
+<file path=ppt/slides/slide20.xml><?xml version="1.0" encoding="utf-8"?>
+<p:sld xmlns:a="http://schemas.openxmlformats.org/drawingml/2006/main" xmlns:r="http://schemas.openxmlformats.org/officeDocument/2006/relationships" xmlns:p="http://schemas.openxmlformats.org/presentationml/2006/main">
+  <p:cSld>
+    <p:spTree>
+      <p:nvGrpSpPr>
+        <p:cNvPr id="1" name=""/>
+        <p:cNvGrpSpPr/>
+        <p:nvPr/>
+      </p:nvGrpSpPr>
+      <p:grpSpPr>
+        <a:xfrm>
+          <a:off x="0" y="0"/>
+          <a:ext cx="0" cy="0"/>
+          <a:chOff x="0" y="0"/>
+          <a:chExt cx="0" cy="0"/>
+        </a:xfrm>
+      </p:grpSpPr>
+      <p:sp>
+        <p:nvSpPr>
+          <p:cNvPr id="2" name="Content Placeholder 1"/>
+          <p:cNvSpPr>
+            <a:spLocks noGrp="1"/>
+          </p:cNvSpPr>
+          <p:nvPr>
+            <p:ph idx="1"/>
+          </p:nvPr>
+        </p:nvSpPr>
+        <p:spPr/>
+        <p:txBody>
+          <a:bodyPr>
+            <a:normAutofit fontScale="92500" lnSpcReduction="10000"/>
+          </a:bodyPr>
+          <a:lstStyle/>
+          <a:p>
+            <a:r>
+              <a:rPr lang="en-US" dirty="0"/>
+              <a:t>Many assemblers to choose from and more each day</a:t>
+            </a:r>
+          </a:p>
+          <a:p>
+            <a:pPr lvl="1"/>
+            <a:r>
+              <a:rPr lang="en-US" dirty="0"/>
+              <a:t>Relatively recent tutorial using cloud computing</a:t>
+            </a:r>
+          </a:p>
+          <a:p>
+            <a:pPr marL="365760" lvl="1" indent="0">
+              <a:buNone/>
+            </a:pPr>
+            <a:r>
+              <a:rPr lang="en-US" dirty="0">
+                <a:hlinkClick r:id="rId2"/>
+              </a:rPr>
+              <a:t>http://www.ncbi.nlm.nih.gov/pmc/articles/PMC4496567/</a:t>
+            </a:r>
+            <a:endParaRPr lang="en-US" dirty="0"/>
+          </a:p>
+          <a:p>
+            <a:r>
+              <a:rPr lang="en-US" dirty="0"/>
+              <a:t>Most </a:t>
+            </a:r>
+            <a:r>
+              <a:rPr lang="en-US" dirty="0" err="1"/>
+              <a:t>metagenomics</a:t>
+            </a:r>
+            <a:r>
+              <a:rPr lang="en-US" dirty="0"/>
+              <a:t> assemblers use </a:t>
+            </a:r>
+            <a:r>
+              <a:rPr lang="en-US" dirty="0" err="1"/>
+              <a:t>kmers</a:t>
+            </a:r>
+            <a:endParaRPr lang="en-US" dirty="0"/>
+          </a:p>
+          <a:p>
+            <a:pPr lvl="1"/>
+            <a:r>
+              <a:rPr lang="en-US" dirty="0"/>
+              <a:t>Either normalize reads by </a:t>
+            </a:r>
+            <a:r>
+              <a:rPr lang="en-US" dirty="0" err="1"/>
+              <a:t>kmers</a:t>
+            </a:r>
+            <a:r>
+              <a:rPr lang="en-US" dirty="0"/>
+              <a:t> (remove what appears to be redundant information)</a:t>
+            </a:r>
+          </a:p>
+          <a:p>
+            <a:pPr lvl="1"/>
+            <a:r>
+              <a:rPr lang="en-US" dirty="0"/>
+              <a:t>Or first bin by </a:t>
+            </a:r>
+            <a:r>
+              <a:rPr lang="en-US" dirty="0" err="1"/>
+              <a:t>kmers</a:t>
+            </a:r>
+            <a:r>
+              <a:rPr lang="en-US" dirty="0"/>
+              <a:t> (each bin is assumed to be a unique species), then assemble each bin (first normalizing by </a:t>
+            </a:r>
+            <a:r>
+              <a:rPr lang="en-US" dirty="0" err="1"/>
+              <a:t>kmers</a:t>
+            </a:r>
+            <a:r>
+              <a:rPr lang="en-US" dirty="0"/>
+              <a:t>).</a:t>
+            </a:r>
+          </a:p>
+          <a:p>
+            <a:r>
+              <a:rPr lang="en-US" dirty="0"/>
+              <a:t>Map reads back to assembly to estimate coverage/count</a:t>
+            </a:r>
+          </a:p>
+          <a:p>
+            <a:r>
+              <a:rPr lang="en-US" dirty="0"/>
+              <a:t>BUT then you have to do some with ambiguous </a:t>
+            </a:r>
+            <a:r>
+              <a:rPr lang="en-US" dirty="0" err="1"/>
+              <a:t>contigs</a:t>
+            </a:r>
+            <a:endParaRPr lang="en-US" dirty="0"/>
+          </a:p>
+          <a:p>
+            <a:pPr lvl="1"/>
+            <a:r>
+              <a:rPr lang="en-US" dirty="0"/>
+              <a:t>Identify ORFs, marker genes, etc. to characterize gene/taxon content</a:t>
+            </a:r>
+          </a:p>
+          <a:p>
+            <a:pPr lvl="1"/>
+            <a:r>
+              <a:rPr lang="en-US" dirty="0"/>
+              <a:t>IT IS all about the databases!!</a:t>
+            </a:r>
+          </a:p>
+        </p:txBody>
+      </p:sp>
+      <p:sp>
+        <p:nvSpPr>
+          <p:cNvPr id="3" name="Title 2"/>
+          <p:cNvSpPr>
+            <a:spLocks noGrp="1"/>
+          </p:cNvSpPr>
+          <p:nvPr>
+            <p:ph type="title"/>
+          </p:nvPr>
+        </p:nvSpPr>
+        <p:spPr/>
+        <p:txBody>
+          <a:bodyPr/>
+          <a:lstStyle/>
+          <a:p>
+            <a:r>
+              <a:rPr lang="en-US" dirty="0"/>
+              <a:t>Assembly</a:t>
+            </a:r>
+          </a:p>
+        </p:txBody>
+      </p:sp>
+    </p:spTree>
+    <p:extLst>
+      <p:ext uri="{BB962C8B-B14F-4D97-AF65-F5344CB8AC3E}">
+        <p14:creationId xmlns:p14="http://schemas.microsoft.com/office/powerpoint/2010/main" val="4132764514"/>
+      </p:ext>
+    </p:extLst>
+  </p:cSld>
+  <p:clrMapOvr>
+    <a:masterClrMapping/>
+  </p:clrMapOvr>
+</p:sld>
+</file>
+
+<file path=ppt/slides/slide21.xml><?xml version="1.0" encoding="utf-8"?>
+<p:sld xmlns:a="http://schemas.openxmlformats.org/drawingml/2006/main" xmlns:r="http://schemas.openxmlformats.org/officeDocument/2006/relationships" xmlns:p="http://schemas.openxmlformats.org/presentationml/2006/main">
+  <p:cSld>
+    <p:spTree>
+      <p:nvGrpSpPr>
+        <p:cNvPr id="1" name=""/>
+        <p:cNvGrpSpPr/>
+        <p:nvPr/>
+      </p:nvGrpSpPr>
+      <p:grpSpPr>
+        <a:xfrm>
+          <a:off x="0" y="0"/>
+          <a:ext cx="0" cy="0"/>
+          <a:chOff x="0" y="0"/>
+          <a:chExt cx="0" cy="0"/>
+        </a:xfrm>
+      </p:grpSpPr>
+      <p:sp>
+        <p:nvSpPr>
+          <p:cNvPr id="2" name="Content Placeholder 1"/>
+          <p:cNvSpPr>
+            <a:spLocks noGrp="1"/>
+          </p:cNvSpPr>
+          <p:nvPr>
+            <p:ph idx="1"/>
+          </p:nvPr>
+        </p:nvSpPr>
+        <p:spPr/>
+        <p:txBody>
+          <a:bodyPr>
+            <a:normAutofit fontScale="92500"/>
+          </a:bodyPr>
+          <a:lstStyle/>
+          <a:p>
+            <a:pPr marL="45720" indent="0">
+              <a:buNone/>
+            </a:pPr>
+            <a:r>
+              <a:rPr lang="en-US" dirty="0"/>
+              <a:t>The MG-RAST system provides answers to the following scientific questions:</a:t>
+            </a:r>
+          </a:p>
+          <a:p>
+            <a:r>
+              <a:rPr lang="en-US" dirty="0"/>
+              <a:t>Who is out there? Identifying the composition of a microbial community either by using amplicon data for single genes or by deriving community composition from shotgun </a:t>
+            </a:r>
+            <a:r>
+              <a:rPr lang="en-US" dirty="0" err="1"/>
+              <a:t>metagenomic</a:t>
+            </a:r>
+            <a:r>
+              <a:rPr lang="en-US" dirty="0"/>
+              <a:t> data using sequence similarities.</a:t>
+            </a:r>
+          </a:p>
+          <a:p>
+            <a:r>
+              <a:rPr lang="en-US" dirty="0"/>
+              <a:t>What are they doing? Using shotgun data (or </a:t>
+            </a:r>
+            <a:r>
+              <a:rPr lang="en-US" dirty="0" err="1"/>
+              <a:t>metatranscriptomic</a:t>
+            </a:r>
+            <a:r>
+              <a:rPr lang="en-US" dirty="0"/>
+              <a:t> data) to derive the functional complement of a microbial community using similarity searches against a number of databases.</a:t>
+            </a:r>
+          </a:p>
+          <a:p>
+            <a:r>
+              <a:rPr lang="en-US" dirty="0"/>
+              <a:t>Who is doing what? Based on sequence similarity searches, identifying the organisms encoding specific </a:t>
+            </a:r>
+            <a:r>
+              <a:rPr lang="en-US"/>
+              <a:t>functions.</a:t>
+            </a:r>
+          </a:p>
+          <a:p>
+            <a:r>
+              <a:rPr lang="en-US"/>
+              <a:t>Finally </a:t>
+            </a:r>
+            <a:r>
+              <a:rPr lang="en-US" dirty="0"/>
+              <a:t>compare samples to each other</a:t>
+            </a:r>
+          </a:p>
+          <a:p>
+            <a:endParaRPr lang="en-US" dirty="0"/>
+          </a:p>
+        </p:txBody>
+      </p:sp>
+      <p:sp>
+        <p:nvSpPr>
+          <p:cNvPr id="3" name="Title 2"/>
+          <p:cNvSpPr>
+            <a:spLocks noGrp="1"/>
+          </p:cNvSpPr>
+          <p:nvPr>
+            <p:ph type="title"/>
+          </p:nvPr>
+        </p:nvSpPr>
+        <p:spPr/>
+        <p:txBody>
+          <a:bodyPr/>
+          <a:lstStyle/>
+          <a:p>
+            <a:r>
+              <a:rPr lang="en-US" dirty="0"/>
+              <a:t>MG-RAST</a:t>
+            </a:r>
+          </a:p>
+        </p:txBody>
+      </p:sp>
+    </p:spTree>
+    <p:extLst>
+      <p:ext uri="{BB962C8B-B14F-4D97-AF65-F5344CB8AC3E}">
+        <p14:creationId xmlns:p14="http://schemas.microsoft.com/office/powerpoint/2010/main" val="2075732933"/>
+      </p:ext>
+    </p:extLst>
+  </p:cSld>
+  <p:clrMapOvr>
+    <a:masterClrMapping/>
+  </p:clrMapOvr>
+</p:sld>
+</file>
+
+<file path=ppt/slides/slide22.xml><?xml version="1.0" encoding="utf-8"?>
+<p:sld xmlns:a="http://schemas.openxmlformats.org/drawingml/2006/main" xmlns:r="http://schemas.openxmlformats.org/officeDocument/2006/relationships" xmlns:p="http://schemas.openxmlformats.org/presentationml/2006/main">
+  <p:cSld>
+    <p:spTree>
+      <p:nvGrpSpPr>
+        <p:cNvPr id="1" name=""/>
+        <p:cNvGrpSpPr/>
+        <p:nvPr/>
+      </p:nvGrpSpPr>
+      <p:grpSpPr>
+        <a:xfrm>
+          <a:off x="0" y="0"/>
+          <a:ext cx="0" cy="0"/>
+          <a:chOff x="0" y="0"/>
+          <a:chExt cx="0" cy="0"/>
+        </a:xfrm>
+      </p:grpSpPr>
+      <p:sp>
+        <p:nvSpPr>
+          <p:cNvPr id="2" name="Content Placeholder 1"/>
+          <p:cNvSpPr>
+            <a:spLocks noGrp="1"/>
+          </p:cNvSpPr>
+          <p:nvPr>
+            <p:ph idx="1"/>
+          </p:nvPr>
+        </p:nvSpPr>
+        <p:spPr/>
+        <p:txBody>
+          <a:bodyPr>
+            <a:normAutofit fontScale="92500" lnSpcReduction="20000"/>
+          </a:bodyPr>
+          <a:lstStyle/>
+          <a:p>
+            <a:r>
+              <a:rPr lang="en-US" dirty="0"/>
+              <a:t>Can upload </a:t>
+            </a:r>
+          </a:p>
+          <a:p>
+            <a:pPr lvl="1"/>
+            <a:r>
+              <a:rPr lang="en-US" dirty="0"/>
+              <a:t>16s </a:t>
+            </a:r>
+            <a:r>
+              <a:rPr lang="en-US" dirty="0" err="1"/>
+              <a:t>amplicons</a:t>
+            </a:r>
+            <a:endParaRPr lang="en-US" dirty="0"/>
+          </a:p>
+          <a:p>
+            <a:pPr lvl="1"/>
+            <a:r>
+              <a:rPr lang="en-US" dirty="0" err="1"/>
+              <a:t>Metagenomes</a:t>
+            </a:r>
+            <a:r>
+              <a:rPr lang="en-US" dirty="0"/>
+              <a:t>/</a:t>
+            </a:r>
+            <a:r>
+              <a:rPr lang="en-US" dirty="0" err="1"/>
+              <a:t>Metatranscriptomes</a:t>
+            </a:r>
+            <a:endParaRPr lang="en-US" dirty="0"/>
+          </a:p>
+          <a:p>
+            <a:pPr lvl="1"/>
+            <a:r>
+              <a:rPr lang="en-US" dirty="0"/>
+              <a:t>Assembled </a:t>
+            </a:r>
+            <a:r>
+              <a:rPr lang="en-US" dirty="0" err="1"/>
+              <a:t>contigs</a:t>
+            </a:r>
+            <a:endParaRPr lang="en-US" dirty="0"/>
+          </a:p>
+          <a:p>
+            <a:pPr lvl="1"/>
+            <a:r>
+              <a:rPr lang="en-US" dirty="0"/>
+              <a:t>Raw reads</a:t>
+            </a:r>
+          </a:p>
+          <a:p>
+            <a:r>
+              <a:rPr lang="en-US" dirty="0"/>
+              <a:t>Use their resources for analysis, don’t have to have your own computational resources</a:t>
+            </a:r>
+          </a:p>
+          <a:p>
+            <a:r>
+              <a:rPr lang="en-US" dirty="0"/>
+              <a:t>More of a black box, but can download many of output data options</a:t>
+            </a:r>
+          </a:p>
+          <a:p>
+            <a:r>
+              <a:rPr lang="en-US" dirty="0"/>
+              <a:t>Subjected to their philosophy for analysis of </a:t>
+            </a:r>
+            <a:r>
+              <a:rPr lang="en-US" dirty="0" err="1"/>
+              <a:t>metagenomic</a:t>
+            </a:r>
+            <a:r>
+              <a:rPr lang="en-US" dirty="0"/>
+              <a:t>/</a:t>
+            </a:r>
+            <a:r>
+              <a:rPr lang="en-US" dirty="0" err="1"/>
+              <a:t>transcriptomic</a:t>
+            </a:r>
+            <a:r>
+              <a:rPr lang="en-US" dirty="0"/>
+              <a:t> data</a:t>
+            </a:r>
+          </a:p>
+          <a:p>
+            <a:endParaRPr lang="en-US" dirty="0"/>
+          </a:p>
+          <a:p>
+            <a:pPr marL="45720" indent="0">
+              <a:buNone/>
+            </a:pPr>
+            <a:r>
+              <a:rPr lang="en-US" dirty="0"/>
+              <a:t>A downloadable alternative to MG-RAST is MEGAN5</a:t>
+            </a:r>
+          </a:p>
+          <a:p>
+            <a:endParaRPr lang="en-US" dirty="0"/>
+          </a:p>
+        </p:txBody>
+      </p:sp>
+      <p:sp>
+        <p:nvSpPr>
+          <p:cNvPr id="3" name="Title 2"/>
+          <p:cNvSpPr>
+            <a:spLocks noGrp="1"/>
+          </p:cNvSpPr>
+          <p:nvPr>
+            <p:ph type="title"/>
+          </p:nvPr>
+        </p:nvSpPr>
+        <p:spPr/>
+        <p:txBody>
+          <a:bodyPr/>
+          <a:lstStyle/>
+          <a:p>
+            <a:r>
+              <a:rPr lang="en-US" dirty="0"/>
+              <a:t>MG-RAST</a:t>
+            </a:r>
+          </a:p>
+        </p:txBody>
+      </p:sp>
+    </p:spTree>
+    <p:extLst>
+      <p:ext uri="{BB962C8B-B14F-4D97-AF65-F5344CB8AC3E}">
+        <p14:creationId xmlns:p14="http://schemas.microsoft.com/office/powerpoint/2010/main" val="708474596"/>
+      </p:ext>
+    </p:extLst>
+  </p:cSld>
+  <p:clrMapOvr>
+    <a:masterClrMapping/>
+  </p:clrMapOvr>
+</p:sld>
+</file>
+
+<file path=ppt/slides/slide23.xml><?xml version="1.0" encoding="utf-8"?>
+<p:sld xmlns:a="http://schemas.openxmlformats.org/drawingml/2006/main" xmlns:r="http://schemas.openxmlformats.org/officeDocument/2006/relationships" xmlns:p="http://schemas.openxmlformats.org/presentationml/2006/main">
+  <p:cSld>
+    <p:spTree>
+      <p:nvGrpSpPr>
+        <p:cNvPr id="1" name=""/>
+        <p:cNvGrpSpPr/>
+        <p:nvPr/>
+      </p:nvGrpSpPr>
+      <p:grpSpPr>
+        <a:xfrm>
+          <a:off x="0" y="0"/>
+          <a:ext cx="0" cy="0"/>
+          <a:chOff x="0" y="0"/>
+          <a:chExt cx="0" cy="0"/>
+        </a:xfrm>
+      </p:grpSpPr>
+      <p:sp>
+        <p:nvSpPr>
+          <p:cNvPr id="4" name="Title 3"/>
+          <p:cNvSpPr>
+            <a:spLocks noGrp="1"/>
+          </p:cNvSpPr>
+          <p:nvPr>
+            <p:ph type="title"/>
+          </p:nvPr>
+        </p:nvSpPr>
+        <p:spPr/>
+        <p:txBody>
+          <a:bodyPr/>
+          <a:lstStyle/>
+          <a:p>
+            <a:r>
+              <a:rPr lang="en-US" dirty="0"/>
+              <a:t>Take Homes</a:t>
+            </a:r>
+          </a:p>
+        </p:txBody>
+      </p:sp>
+      <p:sp>
+        <p:nvSpPr>
+          <p:cNvPr id="2" name="Content Placeholder 1"/>
+          <p:cNvSpPr>
+            <a:spLocks noGrp="1"/>
+          </p:cNvSpPr>
+          <p:nvPr>
+            <p:ph idx="1"/>
+          </p:nvPr>
+        </p:nvSpPr>
+        <p:spPr/>
+        <p:txBody>
+          <a:bodyPr>
+            <a:normAutofit/>
+          </a:bodyPr>
+          <a:lstStyle/>
+          <a:p>
+            <a:r>
+              <a:rPr lang="en-US" dirty="0"/>
+              <a:t>Experience and/or literature searches (other peoples experiences) will provide the best justification for estimates on needed depth.</a:t>
+            </a:r>
+          </a:p>
+          <a:p>
+            <a:r>
+              <a:rPr lang="en-US" dirty="0"/>
+              <a:t>‘Longer’ reads are better than short reads.</a:t>
+            </a:r>
+          </a:p>
+          <a:p>
+            <a:r>
+              <a:rPr lang="en-US" dirty="0"/>
+              <a:t>Paired-end reads are more useful than single-end reads</a:t>
+            </a:r>
+          </a:p>
+          <a:p>
+            <a:r>
+              <a:rPr lang="en-US" dirty="0"/>
+              <a:t>Libraries can be sequenced again, so do a pilot, perform a preliminary analysis, then sequence more accordingly.</a:t>
+            </a:r>
+          </a:p>
+        </p:txBody>
+      </p:sp>
+    </p:spTree>
+    <p:extLst>
+      <p:ext uri="{BB962C8B-B14F-4D97-AF65-F5344CB8AC3E}">
+        <p14:creationId xmlns:p14="http://schemas.microsoft.com/office/powerpoint/2010/main" val="144477064"/>
       </p:ext>
     </p:extLst>
   </p:cSld>
